--- a/PPTs/快速排序和快速选择.pptx
+++ b/PPTs/快速排序和快速选择.pptx
@@ -5,12 +5,13 @@
     <p:sldMasterId id="2147483648" r:id="rId1"/>
   </p:sldMasterIdLst>
   <p:sldIdLst>
-    <p:sldId id="256" r:id="rId3"/>
-    <p:sldId id="257" r:id="rId4"/>
-    <p:sldId id="258" r:id="rId5"/>
-    <p:sldId id="259" r:id="rId6"/>
-    <p:sldId id="260" r:id="rId7"/>
-    <p:sldId id="261" r:id="rId8"/>
+    <p:sldId id="256" r:id="rId2"/>
+    <p:sldId id="257" r:id="rId3"/>
+    <p:sldId id="258" r:id="rId4"/>
+    <p:sldId id="259" r:id="rId5"/>
+    <p:sldId id="260" r:id="rId6"/>
+    <p:sldId id="261" r:id="rId7"/>
+    <p:sldId id="262" r:id="rId8"/>
   </p:sldIdLst>
   <p:sldSz cx="12192000" cy="6858000"/>
   <p:notesSz cx="6858000" cy="9144000"/>
@@ -109,6 +110,11 @@
       </a:defRPr>
     </a:lvl9pPr>
   </p:defaultTextStyle>
+  <p:extLst>
+    <p:ext uri="{EFAFB233-063F-42B5-8137-9DF3F51BA10A}">
+      <p15:sldGuideLst xmlns:p15="http://schemas.microsoft.com/office/powerpoint/2012/main"/>
+    </p:ext>
+  </p:extLst>
 </p:presentation>
 </file>
 
@@ -243,6 +249,7 @@
           <a:p>
             <a:fld id="{D997B5FA-0921-464F-AAE1-844C04324D75}" type="datetimeFigureOut">
               <a:rPr lang="zh-CN" altLang="en-US" smtClean="0"/>
+              <a:t>2021/2/2</a:t>
             </a:fld>
             <a:endParaRPr lang="zh-CN" altLang="en-US"/>
           </a:p>
@@ -284,6 +291,7 @@
           <a:p>
             <a:fld id="{565CE74E-AB26-4998-AD42-012C4C1AD076}" type="slidenum">
               <a:rPr lang="zh-CN" altLang="en-US" smtClean="0"/>
+              <a:t>‹#›</a:t>
             </a:fld>
             <a:endParaRPr lang="zh-CN" altLang="en-US"/>
           </a:p>
@@ -357,7 +365,6 @@
               <a:rPr lang="zh-CN" altLang="en-US" smtClean="0"/>
               <a:t>单击此处编辑母版文本样式</a:t>
             </a:r>
-            <a:endParaRPr lang="zh-CN" altLang="en-US" smtClean="0"/>
           </a:p>
           <a:p>
             <a:pPr lvl="1"/>
@@ -365,7 +372,6 @@
               <a:rPr lang="zh-CN" altLang="en-US" smtClean="0"/>
               <a:t>第二级</a:t>
             </a:r>
-            <a:endParaRPr lang="zh-CN" altLang="en-US" smtClean="0"/>
           </a:p>
           <a:p>
             <a:pPr lvl="2"/>
@@ -373,7 +379,6 @@
               <a:rPr lang="zh-CN" altLang="en-US" smtClean="0"/>
               <a:t>第三级</a:t>
             </a:r>
-            <a:endParaRPr lang="zh-CN" altLang="en-US" smtClean="0"/>
           </a:p>
           <a:p>
             <a:pPr lvl="3"/>
@@ -381,7 +386,6 @@
               <a:rPr lang="zh-CN" altLang="en-US" smtClean="0"/>
               <a:t>第四级</a:t>
             </a:r>
-            <a:endParaRPr lang="zh-CN" altLang="en-US" smtClean="0"/>
           </a:p>
           <a:p>
             <a:pPr lvl="4"/>
@@ -410,6 +414,7 @@
           <a:p>
             <a:fld id="{D997B5FA-0921-464F-AAE1-844C04324D75}" type="datetimeFigureOut">
               <a:rPr lang="zh-CN" altLang="en-US" smtClean="0"/>
+              <a:t>2021/2/2</a:t>
             </a:fld>
             <a:endParaRPr lang="zh-CN" altLang="en-US"/>
           </a:p>
@@ -451,6 +456,7 @@
           <a:p>
             <a:fld id="{565CE74E-AB26-4998-AD42-012C4C1AD076}" type="slidenum">
               <a:rPr lang="zh-CN" altLang="en-US" smtClean="0"/>
+              <a:t>‹#›</a:t>
             </a:fld>
             <a:endParaRPr lang="zh-CN" altLang="en-US"/>
           </a:p>
@@ -534,7 +540,6 @@
               <a:rPr lang="zh-CN" altLang="en-US" smtClean="0"/>
               <a:t>单击此处编辑母版文本样式</a:t>
             </a:r>
-            <a:endParaRPr lang="zh-CN" altLang="en-US" smtClean="0"/>
           </a:p>
           <a:p>
             <a:pPr lvl="1"/>
@@ -542,7 +547,6 @@
               <a:rPr lang="zh-CN" altLang="en-US" smtClean="0"/>
               <a:t>第二级</a:t>
             </a:r>
-            <a:endParaRPr lang="zh-CN" altLang="en-US" smtClean="0"/>
           </a:p>
           <a:p>
             <a:pPr lvl="2"/>
@@ -550,7 +554,6 @@
               <a:rPr lang="zh-CN" altLang="en-US" smtClean="0"/>
               <a:t>第三级</a:t>
             </a:r>
-            <a:endParaRPr lang="zh-CN" altLang="en-US" smtClean="0"/>
           </a:p>
           <a:p>
             <a:pPr lvl="3"/>
@@ -558,7 +561,6 @@
               <a:rPr lang="zh-CN" altLang="en-US" smtClean="0"/>
               <a:t>第四级</a:t>
             </a:r>
-            <a:endParaRPr lang="zh-CN" altLang="en-US" smtClean="0"/>
           </a:p>
           <a:p>
             <a:pPr lvl="4"/>
@@ -587,6 +589,7 @@
           <a:p>
             <a:fld id="{D997B5FA-0921-464F-AAE1-844C04324D75}" type="datetimeFigureOut">
               <a:rPr lang="zh-CN" altLang="en-US" smtClean="0"/>
+              <a:t>2021/2/2</a:t>
             </a:fld>
             <a:endParaRPr lang="zh-CN" altLang="en-US"/>
           </a:p>
@@ -628,6 +631,7 @@
           <a:p>
             <a:fld id="{565CE74E-AB26-4998-AD42-012C4C1AD076}" type="slidenum">
               <a:rPr lang="zh-CN" altLang="en-US" smtClean="0"/>
+              <a:t>‹#›</a:t>
             </a:fld>
             <a:endParaRPr lang="zh-CN" altLang="en-US"/>
           </a:p>
@@ -701,7 +705,6 @@
               <a:rPr lang="zh-CN" altLang="en-US" smtClean="0"/>
               <a:t>单击此处编辑母版文本样式</a:t>
             </a:r>
-            <a:endParaRPr lang="zh-CN" altLang="en-US" smtClean="0"/>
           </a:p>
           <a:p>
             <a:pPr lvl="1"/>
@@ -709,7 +712,6 @@
               <a:rPr lang="zh-CN" altLang="en-US" smtClean="0"/>
               <a:t>第二级</a:t>
             </a:r>
-            <a:endParaRPr lang="zh-CN" altLang="en-US" smtClean="0"/>
           </a:p>
           <a:p>
             <a:pPr lvl="2"/>
@@ -717,7 +719,6 @@
               <a:rPr lang="zh-CN" altLang="en-US" smtClean="0"/>
               <a:t>第三级</a:t>
             </a:r>
-            <a:endParaRPr lang="zh-CN" altLang="en-US" smtClean="0"/>
           </a:p>
           <a:p>
             <a:pPr lvl="3"/>
@@ -725,7 +726,6 @@
               <a:rPr lang="zh-CN" altLang="en-US" smtClean="0"/>
               <a:t>第四级</a:t>
             </a:r>
-            <a:endParaRPr lang="zh-CN" altLang="en-US" smtClean="0"/>
           </a:p>
           <a:p>
             <a:pPr lvl="4"/>
@@ -754,6 +754,7 @@
           <a:p>
             <a:fld id="{D997B5FA-0921-464F-AAE1-844C04324D75}" type="datetimeFigureOut">
               <a:rPr lang="zh-CN" altLang="en-US" smtClean="0"/>
+              <a:t>2021/2/2</a:t>
             </a:fld>
             <a:endParaRPr lang="zh-CN" altLang="en-US"/>
           </a:p>
@@ -795,6 +796,7 @@
           <a:p>
             <a:fld id="{565CE74E-AB26-4998-AD42-012C4C1AD076}" type="slidenum">
               <a:rPr lang="zh-CN" altLang="en-US" smtClean="0"/>
+              <a:t>‹#›</a:t>
             </a:fld>
             <a:endParaRPr lang="zh-CN" altLang="en-US"/>
           </a:p>
@@ -973,7 +975,6 @@
               <a:rPr lang="zh-CN" altLang="en-US" smtClean="0"/>
               <a:t>单击此处编辑母版文本样式</a:t>
             </a:r>
-            <a:endParaRPr lang="zh-CN" altLang="en-US" smtClean="0"/>
           </a:p>
         </p:txBody>
       </p:sp>
@@ -994,6 +995,7 @@
           <a:p>
             <a:fld id="{D997B5FA-0921-464F-AAE1-844C04324D75}" type="datetimeFigureOut">
               <a:rPr lang="zh-CN" altLang="en-US" smtClean="0"/>
+              <a:t>2021/2/2</a:t>
             </a:fld>
             <a:endParaRPr lang="zh-CN" altLang="en-US"/>
           </a:p>
@@ -1035,6 +1037,7 @@
           <a:p>
             <a:fld id="{565CE74E-AB26-4998-AD42-012C4C1AD076}" type="slidenum">
               <a:rPr lang="zh-CN" altLang="en-US" smtClean="0"/>
+              <a:t>‹#›</a:t>
             </a:fld>
             <a:endParaRPr lang="zh-CN" altLang="en-US"/>
           </a:p>
@@ -1113,7 +1116,6 @@
               <a:rPr lang="zh-CN" altLang="en-US" smtClean="0"/>
               <a:t>单击此处编辑母版文本样式</a:t>
             </a:r>
-            <a:endParaRPr lang="zh-CN" altLang="en-US" smtClean="0"/>
           </a:p>
           <a:p>
             <a:pPr lvl="1"/>
@@ -1121,7 +1123,6 @@
               <a:rPr lang="zh-CN" altLang="en-US" smtClean="0"/>
               <a:t>第二级</a:t>
             </a:r>
-            <a:endParaRPr lang="zh-CN" altLang="en-US" smtClean="0"/>
           </a:p>
           <a:p>
             <a:pPr lvl="2"/>
@@ -1129,7 +1130,6 @@
               <a:rPr lang="zh-CN" altLang="en-US" smtClean="0"/>
               <a:t>第三级</a:t>
             </a:r>
-            <a:endParaRPr lang="zh-CN" altLang="en-US" smtClean="0"/>
           </a:p>
           <a:p>
             <a:pPr lvl="3"/>
@@ -1137,7 +1137,6 @@
               <a:rPr lang="zh-CN" altLang="en-US" smtClean="0"/>
               <a:t>第四级</a:t>
             </a:r>
-            <a:endParaRPr lang="zh-CN" altLang="en-US" smtClean="0"/>
           </a:p>
           <a:p>
             <a:pPr lvl="4"/>
@@ -1174,7 +1173,6 @@
               <a:rPr lang="zh-CN" altLang="en-US" smtClean="0"/>
               <a:t>单击此处编辑母版文本样式</a:t>
             </a:r>
-            <a:endParaRPr lang="zh-CN" altLang="en-US" smtClean="0"/>
           </a:p>
           <a:p>
             <a:pPr lvl="1"/>
@@ -1182,7 +1180,6 @@
               <a:rPr lang="zh-CN" altLang="en-US" smtClean="0"/>
               <a:t>第二级</a:t>
             </a:r>
-            <a:endParaRPr lang="zh-CN" altLang="en-US" smtClean="0"/>
           </a:p>
           <a:p>
             <a:pPr lvl="2"/>
@@ -1190,7 +1187,6 @@
               <a:rPr lang="zh-CN" altLang="en-US" smtClean="0"/>
               <a:t>第三级</a:t>
             </a:r>
-            <a:endParaRPr lang="zh-CN" altLang="en-US" smtClean="0"/>
           </a:p>
           <a:p>
             <a:pPr lvl="3"/>
@@ -1198,7 +1194,6 @@
               <a:rPr lang="zh-CN" altLang="en-US" smtClean="0"/>
               <a:t>第四级</a:t>
             </a:r>
-            <a:endParaRPr lang="zh-CN" altLang="en-US" smtClean="0"/>
           </a:p>
           <a:p>
             <a:pPr lvl="4"/>
@@ -1227,6 +1222,7 @@
           <a:p>
             <a:fld id="{D997B5FA-0921-464F-AAE1-844C04324D75}" type="datetimeFigureOut">
               <a:rPr lang="zh-CN" altLang="en-US" smtClean="0"/>
+              <a:t>2021/2/2</a:t>
             </a:fld>
             <a:endParaRPr lang="zh-CN" altLang="en-US"/>
           </a:p>
@@ -1268,6 +1264,7 @@
           <a:p>
             <a:fld id="{565CE74E-AB26-4998-AD42-012C4C1AD076}" type="slidenum">
               <a:rPr lang="zh-CN" altLang="en-US" smtClean="0"/>
+              <a:t>‹#›</a:t>
             </a:fld>
             <a:endParaRPr lang="zh-CN" altLang="en-US"/>
           </a:p>
@@ -1388,7 +1385,6 @@
               <a:rPr lang="zh-CN" altLang="en-US" smtClean="0"/>
               <a:t>单击此处编辑母版文本样式</a:t>
             </a:r>
-            <a:endParaRPr lang="zh-CN" altLang="en-US" smtClean="0"/>
           </a:p>
         </p:txBody>
       </p:sp>
@@ -1417,7 +1413,6 @@
               <a:rPr lang="zh-CN" altLang="en-US" smtClean="0"/>
               <a:t>单击此处编辑母版文本样式</a:t>
             </a:r>
-            <a:endParaRPr lang="zh-CN" altLang="en-US" smtClean="0"/>
           </a:p>
           <a:p>
             <a:pPr lvl="1"/>
@@ -1425,7 +1420,6 @@
               <a:rPr lang="zh-CN" altLang="en-US" smtClean="0"/>
               <a:t>第二级</a:t>
             </a:r>
-            <a:endParaRPr lang="zh-CN" altLang="en-US" smtClean="0"/>
           </a:p>
           <a:p>
             <a:pPr lvl="2"/>
@@ -1433,7 +1427,6 @@
               <a:rPr lang="zh-CN" altLang="en-US" smtClean="0"/>
               <a:t>第三级</a:t>
             </a:r>
-            <a:endParaRPr lang="zh-CN" altLang="en-US" smtClean="0"/>
           </a:p>
           <a:p>
             <a:pPr lvl="3"/>
@@ -1441,7 +1434,6 @@
               <a:rPr lang="zh-CN" altLang="en-US" smtClean="0"/>
               <a:t>第四级</a:t>
             </a:r>
-            <a:endParaRPr lang="zh-CN" altLang="en-US" smtClean="0"/>
           </a:p>
           <a:p>
             <a:pPr lvl="4"/>
@@ -1515,7 +1507,6 @@
               <a:rPr lang="zh-CN" altLang="en-US" smtClean="0"/>
               <a:t>单击此处编辑母版文本样式</a:t>
             </a:r>
-            <a:endParaRPr lang="zh-CN" altLang="en-US" smtClean="0"/>
           </a:p>
         </p:txBody>
       </p:sp>
@@ -1544,7 +1535,6 @@
               <a:rPr lang="zh-CN" altLang="en-US" smtClean="0"/>
               <a:t>单击此处编辑母版文本样式</a:t>
             </a:r>
-            <a:endParaRPr lang="zh-CN" altLang="en-US" smtClean="0"/>
           </a:p>
           <a:p>
             <a:pPr lvl="1"/>
@@ -1552,7 +1542,6 @@
               <a:rPr lang="zh-CN" altLang="en-US" smtClean="0"/>
               <a:t>第二级</a:t>
             </a:r>
-            <a:endParaRPr lang="zh-CN" altLang="en-US" smtClean="0"/>
           </a:p>
           <a:p>
             <a:pPr lvl="2"/>
@@ -1560,7 +1549,6 @@
               <a:rPr lang="zh-CN" altLang="en-US" smtClean="0"/>
               <a:t>第三级</a:t>
             </a:r>
-            <a:endParaRPr lang="zh-CN" altLang="en-US" smtClean="0"/>
           </a:p>
           <a:p>
             <a:pPr lvl="3"/>
@@ -1568,7 +1556,6 @@
               <a:rPr lang="zh-CN" altLang="en-US" smtClean="0"/>
               <a:t>第四级</a:t>
             </a:r>
-            <a:endParaRPr lang="zh-CN" altLang="en-US" smtClean="0"/>
           </a:p>
           <a:p>
             <a:pPr lvl="4"/>
@@ -1597,6 +1584,7 @@
           <a:p>
             <a:fld id="{D997B5FA-0921-464F-AAE1-844C04324D75}" type="datetimeFigureOut">
               <a:rPr lang="zh-CN" altLang="en-US" smtClean="0"/>
+              <a:t>2021/2/2</a:t>
             </a:fld>
             <a:endParaRPr lang="zh-CN" altLang="en-US"/>
           </a:p>
@@ -1638,6 +1626,7 @@
           <a:p>
             <a:fld id="{565CE74E-AB26-4998-AD42-012C4C1AD076}" type="slidenum">
               <a:rPr lang="zh-CN" altLang="en-US" smtClean="0"/>
+              <a:t>‹#›</a:t>
             </a:fld>
             <a:endParaRPr lang="zh-CN" altLang="en-US"/>
           </a:p>
@@ -1708,6 +1697,7 @@
           <a:p>
             <a:fld id="{D997B5FA-0921-464F-AAE1-844C04324D75}" type="datetimeFigureOut">
               <a:rPr lang="zh-CN" altLang="en-US" smtClean="0"/>
+              <a:t>2021/2/2</a:t>
             </a:fld>
             <a:endParaRPr lang="zh-CN" altLang="en-US"/>
           </a:p>
@@ -1749,6 +1739,7 @@
           <a:p>
             <a:fld id="{565CE74E-AB26-4998-AD42-012C4C1AD076}" type="slidenum">
               <a:rPr lang="zh-CN" altLang="en-US" smtClean="0"/>
+              <a:t>‹#›</a:t>
             </a:fld>
             <a:endParaRPr lang="zh-CN" altLang="en-US"/>
           </a:p>
@@ -1796,6 +1787,7 @@
           <a:p>
             <a:fld id="{D997B5FA-0921-464F-AAE1-844C04324D75}" type="datetimeFigureOut">
               <a:rPr lang="zh-CN" altLang="en-US" smtClean="0"/>
+              <a:t>2021/2/2</a:t>
             </a:fld>
             <a:endParaRPr lang="zh-CN" altLang="en-US"/>
           </a:p>
@@ -1837,6 +1829,7 @@
           <a:p>
             <a:fld id="{565CE74E-AB26-4998-AD42-012C4C1AD076}" type="slidenum">
               <a:rPr lang="zh-CN" altLang="en-US" smtClean="0"/>
+              <a:t>‹#›</a:t>
             </a:fld>
             <a:endParaRPr lang="zh-CN" altLang="en-US"/>
           </a:p>
@@ -1952,7 +1945,6 @@
               <a:rPr lang="zh-CN" altLang="en-US" smtClean="0"/>
               <a:t>单击此处编辑母版文本样式</a:t>
             </a:r>
-            <a:endParaRPr lang="zh-CN" altLang="en-US" smtClean="0"/>
           </a:p>
           <a:p>
             <a:pPr lvl="1"/>
@@ -1960,7 +1952,6 @@
               <a:rPr lang="zh-CN" altLang="en-US" smtClean="0"/>
               <a:t>第二级</a:t>
             </a:r>
-            <a:endParaRPr lang="zh-CN" altLang="en-US" smtClean="0"/>
           </a:p>
           <a:p>
             <a:pPr lvl="2"/>
@@ -1968,7 +1959,6 @@
               <a:rPr lang="zh-CN" altLang="en-US" smtClean="0"/>
               <a:t>第三级</a:t>
             </a:r>
-            <a:endParaRPr lang="zh-CN" altLang="en-US" smtClean="0"/>
           </a:p>
           <a:p>
             <a:pPr lvl="3"/>
@@ -1976,7 +1966,6 @@
               <a:rPr lang="zh-CN" altLang="en-US" smtClean="0"/>
               <a:t>第四级</a:t>
             </a:r>
-            <a:endParaRPr lang="zh-CN" altLang="en-US" smtClean="0"/>
           </a:p>
           <a:p>
             <a:pPr lvl="4"/>
@@ -2050,7 +2039,6 @@
               <a:rPr lang="zh-CN" altLang="en-US" smtClean="0"/>
               <a:t>单击此处编辑母版文本样式</a:t>
             </a:r>
-            <a:endParaRPr lang="zh-CN" altLang="en-US" smtClean="0"/>
           </a:p>
         </p:txBody>
       </p:sp>
@@ -2071,6 +2059,7 @@
           <a:p>
             <a:fld id="{D997B5FA-0921-464F-AAE1-844C04324D75}" type="datetimeFigureOut">
               <a:rPr lang="zh-CN" altLang="en-US" smtClean="0"/>
+              <a:t>2021/2/2</a:t>
             </a:fld>
             <a:endParaRPr lang="zh-CN" altLang="en-US"/>
           </a:p>
@@ -2112,6 +2101,7 @@
           <a:p>
             <a:fld id="{565CE74E-AB26-4998-AD42-012C4C1AD076}" type="slidenum">
               <a:rPr lang="zh-CN" altLang="en-US" smtClean="0"/>
+              <a:t>‹#›</a:t>
             </a:fld>
             <a:endParaRPr lang="zh-CN" altLang="en-US"/>
           </a:p>
@@ -2297,7 +2287,6 @@
               <a:rPr lang="zh-CN" altLang="en-US" smtClean="0"/>
               <a:t>单击此处编辑母版文本样式</a:t>
             </a:r>
-            <a:endParaRPr lang="zh-CN" altLang="en-US" smtClean="0"/>
           </a:p>
         </p:txBody>
       </p:sp>
@@ -2318,6 +2307,7 @@
           <a:p>
             <a:fld id="{D997B5FA-0921-464F-AAE1-844C04324D75}" type="datetimeFigureOut">
               <a:rPr lang="zh-CN" altLang="en-US" smtClean="0"/>
+              <a:t>2021/2/2</a:t>
             </a:fld>
             <a:endParaRPr lang="zh-CN" altLang="en-US"/>
           </a:p>
@@ -2359,6 +2349,7 @@
           <a:p>
             <a:fld id="{565CE74E-AB26-4998-AD42-012C4C1AD076}" type="slidenum">
               <a:rPr lang="zh-CN" altLang="en-US" smtClean="0"/>
+              <a:t>‹#›</a:t>
             </a:fld>
             <a:endParaRPr lang="zh-CN" altLang="en-US"/>
           </a:p>
@@ -2457,7 +2448,6 @@
               <a:rPr lang="zh-CN" altLang="en-US" smtClean="0"/>
               <a:t>单击此处编辑母版文本样式</a:t>
             </a:r>
-            <a:endParaRPr lang="zh-CN" altLang="en-US" smtClean="0"/>
           </a:p>
           <a:p>
             <a:pPr lvl="1"/>
@@ -2465,7 +2455,6 @@
               <a:rPr lang="zh-CN" altLang="en-US" smtClean="0"/>
               <a:t>第二级</a:t>
             </a:r>
-            <a:endParaRPr lang="zh-CN" altLang="en-US" smtClean="0"/>
           </a:p>
           <a:p>
             <a:pPr lvl="2"/>
@@ -2473,7 +2462,6 @@
               <a:rPr lang="zh-CN" altLang="en-US" smtClean="0"/>
               <a:t>第三级</a:t>
             </a:r>
-            <a:endParaRPr lang="zh-CN" altLang="en-US" smtClean="0"/>
           </a:p>
           <a:p>
             <a:pPr lvl="3"/>
@@ -2481,7 +2469,6 @@
               <a:rPr lang="zh-CN" altLang="en-US" smtClean="0"/>
               <a:t>第四级</a:t>
             </a:r>
-            <a:endParaRPr lang="zh-CN" altLang="en-US" smtClean="0"/>
           </a:p>
           <a:p>
             <a:pPr lvl="4"/>
@@ -2528,6 +2515,7 @@
           <a:p>
             <a:fld id="{D997B5FA-0921-464F-AAE1-844C04324D75}" type="datetimeFigureOut">
               <a:rPr lang="zh-CN" altLang="en-US" smtClean="0"/>
+              <a:t>2021/2/2</a:t>
             </a:fld>
             <a:endParaRPr lang="zh-CN" altLang="en-US"/>
           </a:p>
@@ -2605,6 +2593,7 @@
           <a:p>
             <a:fld id="{565CE74E-AB26-4998-AD42-012C4C1AD076}" type="slidenum">
               <a:rPr lang="zh-CN" altLang="en-US" smtClean="0"/>
+              <a:t>‹#›</a:t>
             </a:fld>
             <a:endParaRPr lang="zh-CN" altLang="en-US"/>
           </a:p>
@@ -2918,7 +2907,14 @@
         <p:cNvGrpSpPr/>
         <p:nvPr/>
       </p:nvGrpSpPr>
-      <p:grpSpPr/>
+      <p:grpSpPr>
+        <a:xfrm>
+          <a:off x="0" y="0"/>
+          <a:ext cx="0" cy="0"/>
+          <a:chOff x="0" y="0"/>
+          <a:chExt cx="0" cy="0"/>
+        </a:xfrm>
+      </p:grpSpPr>
       <p:sp>
         <p:nvSpPr>
           <p:cNvPr id="2" name="标题 1"/>
@@ -2932,12 +2928,12 @@
         <p:spPr/>
         <p:txBody>
           <a:bodyPr/>
+          <a:lstStyle/>
           <a:p>
             <a:r>
               <a:rPr lang="" altLang="zh-CN"/>
               <a:t>快速排序和快速选择</a:t>
             </a:r>
-            <a:endParaRPr lang="" altLang="zh-CN"/>
           </a:p>
         </p:txBody>
       </p:sp>
@@ -2954,6 +2950,7 @@
         <p:spPr/>
         <p:txBody>
           <a:bodyPr/>
+          <a:lstStyle/>
           <a:p>
             <a:endParaRPr lang="zh-CN" altLang="en-US"/>
           </a:p>
@@ -2976,7 +2973,14 @@
         <p:cNvGrpSpPr/>
         <p:nvPr/>
       </p:nvGrpSpPr>
-      <p:grpSpPr/>
+      <p:grpSpPr>
+        <a:xfrm>
+          <a:off x="0" y="0"/>
+          <a:ext cx="0" cy="0"/>
+          <a:chOff x="0" y="0"/>
+          <a:chExt cx="0" cy="0"/>
+        </a:xfrm>
+      </p:grpSpPr>
       <p:sp>
         <p:nvSpPr>
           <p:cNvPr id="2" name="标题 1"/>
@@ -2990,12 +2994,12 @@
         <p:spPr/>
         <p:txBody>
           <a:bodyPr/>
+          <a:lstStyle/>
           <a:p>
             <a:r>
               <a:rPr lang="" altLang="zh-CN"/>
               <a:t>原始题目</a:t>
             </a:r>
-            <a:endParaRPr lang="" altLang="zh-CN"/>
           </a:p>
         </p:txBody>
       </p:sp>
@@ -3012,12 +3016,12 @@
         <p:spPr/>
         <p:txBody>
           <a:bodyPr/>
+          <a:lstStyle/>
           <a:p>
             <a:r>
               <a:rPr lang="zh-CN" altLang="en-US"/>
               <a:t>原始题目很简单，给你输入一个无序的数组nums和一个正整数k，让你计算nums中第k大的元素。</a:t>
             </a:r>
-            <a:endParaRPr lang="zh-CN" altLang="en-US"/>
           </a:p>
           <a:p>
             <a:endParaRPr lang="zh-CN" altLang="en-US"/>
@@ -3027,7 +3031,6 @@
               <a:rPr lang="" altLang="zh-CN"/>
               <a:t>首先想到排序，但最快的排序复杂度是NlogN</a:t>
             </a:r>
-            <a:endParaRPr lang="" altLang="zh-CN"/>
           </a:p>
           <a:p>
             <a:endParaRPr lang="" altLang="zh-CN"/>
@@ -3037,7 +3040,6 @@
               <a:rPr lang="" altLang="zh-CN"/>
               <a:t>本文的小技巧是把复杂度降低为NlogK或者N</a:t>
             </a:r>
-            <a:endParaRPr lang="" altLang="zh-CN"/>
           </a:p>
         </p:txBody>
       </p:sp>
@@ -3058,7 +3060,14 @@
         <p:cNvGrpSpPr/>
         <p:nvPr/>
       </p:nvGrpSpPr>
-      <p:grpSpPr/>
+      <p:grpSpPr>
+        <a:xfrm>
+          <a:off x="0" y="0"/>
+          <a:ext cx="0" cy="0"/>
+          <a:chOff x="0" y="0"/>
+          <a:chExt cx="0" cy="0"/>
+        </a:xfrm>
+      </p:grpSpPr>
       <p:sp>
         <p:nvSpPr>
           <p:cNvPr id="2" name="标题 1"/>
@@ -3072,12 +3081,12 @@
         <p:spPr/>
         <p:txBody>
           <a:bodyPr/>
+          <a:lstStyle/>
           <a:p>
             <a:r>
               <a:rPr lang="" altLang="zh-CN"/>
               <a:t>二叉堆解法</a:t>
             </a:r>
-            <a:endParaRPr lang="" altLang="zh-CN"/>
           </a:p>
         </p:txBody>
       </p:sp>
@@ -3094,26 +3103,24 @@
         <p:spPr/>
         <p:txBody>
           <a:bodyPr/>
+          <a:lstStyle/>
           <a:p>
             <a:r>
               <a:rPr lang="" altLang="zh-CN"/>
               <a:t>思路：建一个优先级队列</a:t>
             </a:r>
-            <a:endParaRPr lang="" altLang="zh-CN"/>
           </a:p>
           <a:p>
             <a:r>
               <a:rPr lang="" altLang="zh-CN"/>
               <a:t>大根堆还是小根堆呢？很简答，当然是小根堆。因为优先级队列从头部吐数据，小的都吐掉，才能剩下大的。</a:t>
             </a:r>
-            <a:endParaRPr lang="" altLang="zh-CN"/>
           </a:p>
           <a:p>
             <a:r>
               <a:rPr lang="" altLang="zh-CN"/>
               <a:t>控制堆的大小在k</a:t>
             </a:r>
-            <a:endParaRPr lang="" altLang="zh-CN"/>
           </a:p>
         </p:txBody>
       </p:sp>
@@ -3134,7 +3141,14 @@
         <p:cNvGrpSpPr/>
         <p:nvPr/>
       </p:nvGrpSpPr>
-      <p:grpSpPr/>
+      <p:grpSpPr>
+        <a:xfrm>
+          <a:off x="0" y="0"/>
+          <a:ext cx="0" cy="0"/>
+          <a:chOff x="0" y="0"/>
+          <a:chExt cx="0" cy="0"/>
+        </a:xfrm>
+      </p:grpSpPr>
       <p:sp>
         <p:nvSpPr>
           <p:cNvPr id="2" name="标题 1"/>
@@ -3148,12 +3162,12 @@
         <p:spPr/>
         <p:txBody>
           <a:bodyPr/>
+          <a:lstStyle/>
           <a:p>
             <a:r>
               <a:rPr lang="" altLang="zh-CN"/>
               <a:t>快速选择解法 - 先说快速排序</a:t>
             </a:r>
-            <a:endParaRPr lang="" altLang="zh-CN"/>
           </a:p>
         </p:txBody>
       </p:sp>
@@ -3175,6 +3189,7 @@
         </p:spPr>
         <p:txBody>
           <a:bodyPr/>
+          <a:lstStyle/>
           <a:p>
             <a:pPr marL="457200" lvl="1" indent="0">
               <a:buNone/>
@@ -3183,7 +3198,6 @@
               <a:rPr lang="" altLang="zh-CN"/>
               <a:t>void QuickSort(vector&lt;int&gt;&amp; nums) {</a:t>
             </a:r>
-            <a:endParaRPr lang="" altLang="zh-CN"/>
           </a:p>
           <a:p>
             <a:pPr marL="457200" lvl="1" indent="0">
@@ -3193,7 +3207,6 @@
               <a:rPr lang="" altLang="zh-CN"/>
               <a:t>	sort(nums, 0, nums.size()-1);</a:t>
             </a:r>
-            <a:endParaRPr lang="" altLang="zh-CN"/>
           </a:p>
           <a:p>
             <a:pPr marL="457200" lvl="1" indent="0">
@@ -3203,7 +3216,6 @@
               <a:rPr lang="" altLang="zh-CN"/>
               <a:t>}</a:t>
             </a:r>
-            <a:endParaRPr lang="" altLang="zh-CN"/>
           </a:p>
           <a:p>
             <a:pPr marL="457200" lvl="1" indent="0">
@@ -3219,7 +3231,6 @@
               <a:rPr lang="" altLang="zh-CN"/>
               <a:t>void QuickSort(vector&lt;int&gt;&amp; nums, int lo, int hi) {</a:t>
             </a:r>
-            <a:endParaRPr lang="" altLang="zh-CN"/>
           </a:p>
           <a:p>
             <a:pPr marL="457200" lvl="1" indent="0">
@@ -3229,7 +3240,6 @@
               <a:rPr lang="" altLang="zh-CN"/>
               <a:t>	if(lo &gt;= hi) return;</a:t>
             </a:r>
-            <a:endParaRPr lang="" altLang="zh-CN"/>
           </a:p>
           <a:p>
             <a:pPr marL="457200" lvl="1" indent="0">
@@ -3239,7 +3249,6 @@
               <a:rPr lang="" altLang="zh-CN"/>
               <a:t>	int pv = partition(nums, lo, hi);</a:t>
             </a:r>
-            <a:endParaRPr lang="" altLang="zh-CN"/>
           </a:p>
           <a:p>
             <a:pPr marL="457200" lvl="1" indent="0">
@@ -3249,7 +3258,6 @@
               <a:rPr lang="" altLang="zh-CN"/>
               <a:t>	QuickSort(nums, lo, pv-1);</a:t>
             </a:r>
-            <a:endParaRPr lang="" altLang="zh-CN"/>
           </a:p>
           <a:p>
             <a:pPr marL="457200" lvl="1" indent="0">
@@ -3259,7 +3267,6 @@
               <a:rPr lang="" altLang="zh-CN"/>
               <a:t>	QuickSort(nums, pv+1, hi);</a:t>
             </a:r>
-            <a:endParaRPr lang="" altLang="zh-CN"/>
           </a:p>
           <a:p>
             <a:pPr marL="457200" lvl="1" indent="0">
@@ -3269,7 +3276,6 @@
               <a:rPr lang="" altLang="zh-CN"/>
               <a:t>}</a:t>
             </a:r>
-            <a:endParaRPr lang="" altLang="zh-CN"/>
           </a:p>
         </p:txBody>
       </p:sp>
@@ -3290,7 +3296,14 @@
         <p:cNvGrpSpPr/>
         <p:nvPr/>
       </p:nvGrpSpPr>
-      <p:grpSpPr/>
+      <p:grpSpPr>
+        <a:xfrm>
+          <a:off x="0" y="0"/>
+          <a:ext cx="0" cy="0"/>
+          <a:chOff x="0" y="0"/>
+          <a:chExt cx="0" cy="0"/>
+        </a:xfrm>
+      </p:grpSpPr>
       <p:sp>
         <p:nvSpPr>
           <p:cNvPr id="2" name="标题 1"/>
@@ -3304,12 +3317,12 @@
         <p:spPr/>
         <p:txBody>
           <a:bodyPr/>
+          <a:lstStyle/>
           <a:p>
             <a:r>
               <a:rPr lang="" altLang="zh-CN"/>
               <a:t>关键就在这个partition</a:t>
             </a:r>
-            <a:endParaRPr lang="" altLang="zh-CN"/>
           </a:p>
         </p:txBody>
       </p:sp>
@@ -3331,8 +3344,9 @@
         </p:spPr>
         <p:txBody>
           <a:bodyPr>
-            <a:normAutofit fontScale="70000"/>
+            <a:normAutofit fontScale="77500" lnSpcReduction="10000"/>
           </a:bodyPr>
+          <a:lstStyle/>
           <a:p>
             <a:pPr marL="0" indent="0">
               <a:buNone/>
@@ -3341,7 +3355,6 @@
               <a:rPr lang="" altLang="zh-CN"/>
               <a:t>写法一：</a:t>
             </a:r>
-            <a:endParaRPr lang="" altLang="zh-CN"/>
           </a:p>
           <a:p>
             <a:pPr marL="0" indent="0">
@@ -3351,7 +3364,6 @@
               <a:rPr lang="" altLang="zh-CN"/>
               <a:t>int partition(int nums[], int lo, int hi) {</a:t>
             </a:r>
-            <a:endParaRPr lang="" altLang="zh-CN"/>
           </a:p>
           <a:p>
             <a:pPr marL="0" indent="0">
@@ -3361,7 +3373,6 @@
               <a:rPr lang="" altLang="zh-CN"/>
               <a:t>    int pivot = nums[lo];</a:t>
             </a:r>
-            <a:endParaRPr lang="" altLang="zh-CN"/>
           </a:p>
           <a:p>
             <a:pPr marL="0" indent="0">
@@ -3371,7 +3382,6 @@
               <a:rPr lang="" altLang="zh-CN"/>
               <a:t>    int i = lo, j = hi + 1;</a:t>
             </a:r>
-            <a:endParaRPr lang="" altLang="zh-CN"/>
           </a:p>
           <a:p>
             <a:pPr marL="0" indent="0">
@@ -3381,7 +3391,6 @@
               <a:rPr lang="" altLang="zh-CN"/>
               <a:t>    while(true) {</a:t>
             </a:r>
-            <a:endParaRPr lang="" altLang="zh-CN"/>
           </a:p>
           <a:p>
             <a:pPr marL="0" indent="0">
@@ -3391,7 +3400,6 @@
               <a:rPr lang="" altLang="zh-CN"/>
               <a:t>        while(nums[--j] &gt; pivot)</a:t>
             </a:r>
-            <a:endParaRPr lang="" altLang="zh-CN"/>
           </a:p>
           <a:p>
             <a:pPr marL="0" indent="0">
@@ -3401,7 +3409,6 @@
               <a:rPr lang="" altLang="zh-CN"/>
               <a:t>            if(j==lo) break;</a:t>
             </a:r>
-            <a:endParaRPr lang="" altLang="zh-CN"/>
           </a:p>
           <a:p>
             <a:pPr marL="0" indent="0">
@@ -3411,7 +3418,6 @@
               <a:rPr lang="" altLang="zh-CN"/>
               <a:t>        while(nums[++i] &lt; pivot)</a:t>
             </a:r>
-            <a:endParaRPr lang="" altLang="zh-CN"/>
           </a:p>
           <a:p>
             <a:pPr marL="0" indent="0">
@@ -3421,7 +3427,6 @@
               <a:rPr lang="" altLang="zh-CN"/>
               <a:t>            if(i==hi) break;</a:t>
             </a:r>
-            <a:endParaRPr lang="" altLang="zh-CN"/>
           </a:p>
           <a:p>
             <a:pPr marL="0" indent="0">
@@ -3431,7 +3436,6 @@
               <a:rPr lang="" altLang="zh-CN"/>
               <a:t>        if(i&gt;=j) break;</a:t>
             </a:r>
-            <a:endParaRPr lang="" altLang="zh-CN"/>
           </a:p>
           <a:p>
             <a:pPr marL="0" indent="0">
@@ -3441,7 +3445,6 @@
               <a:rPr lang="" altLang="zh-CN"/>
               <a:t>        swap(nums[i], nums[j]);</a:t>
             </a:r>
-            <a:endParaRPr lang="" altLang="zh-CN"/>
           </a:p>
           <a:p>
             <a:pPr marL="0" indent="0">
@@ -3451,7 +3454,6 @@
               <a:rPr lang="" altLang="zh-CN"/>
               <a:t>    }</a:t>
             </a:r>
-            <a:endParaRPr lang="" altLang="zh-CN"/>
           </a:p>
           <a:p>
             <a:pPr marL="0" indent="0">
@@ -3461,7 +3463,6 @@
               <a:rPr lang="" altLang="zh-CN"/>
               <a:t>    swap(nums[lo], nums[j]);</a:t>
             </a:r>
-            <a:endParaRPr lang="" altLang="zh-CN"/>
           </a:p>
           <a:p>
             <a:pPr marL="0" indent="0">
@@ -3471,7 +3472,6 @@
               <a:rPr lang="" altLang="zh-CN"/>
               <a:t>    return j;</a:t>
             </a:r>
-            <a:endParaRPr lang="" altLang="zh-CN"/>
           </a:p>
           <a:p>
             <a:pPr marL="0" indent="0">
@@ -3481,7 +3481,6 @@
               <a:rPr lang="" altLang="zh-CN"/>
               <a:t>}</a:t>
             </a:r>
-            <a:endParaRPr lang="" altLang="zh-CN"/>
           </a:p>
         </p:txBody>
       </p:sp>
@@ -3502,7 +3501,14 @@
         <p:cNvGrpSpPr/>
         <p:nvPr/>
       </p:nvGrpSpPr>
-      <p:grpSpPr/>
+      <p:grpSpPr>
+        <a:xfrm>
+          <a:off x="0" y="0"/>
+          <a:ext cx="0" cy="0"/>
+          <a:chOff x="0" y="0"/>
+          <a:chExt cx="0" cy="0"/>
+        </a:xfrm>
+      </p:grpSpPr>
       <p:sp>
         <p:nvSpPr>
           <p:cNvPr id="2" name="标题 1"/>
@@ -3521,12 +3527,12 @@
         </p:spPr>
         <p:txBody>
           <a:bodyPr/>
+          <a:lstStyle/>
           <a:p>
             <a:r>
               <a:rPr lang="" altLang="zh-CN"/>
               <a:t>写法二</a:t>
             </a:r>
-            <a:endParaRPr lang="" altLang="zh-CN"/>
           </a:p>
         </p:txBody>
       </p:sp>
@@ -3543,88 +3549,158 @@
         <p:spPr/>
         <p:txBody>
           <a:bodyPr>
-            <a:normAutofit fontScale="60000"/>
+            <a:normAutofit fontScale="75000" lnSpcReduction="10000"/>
           </a:bodyPr>
+          <a:lstStyle/>
           <a:p>
             <a:r>
               <a:rPr lang="zh-CN" altLang="en-US"/>
               <a:t>int partition1(int nums[], int lo, int hi) {</a:t>
             </a:r>
-            <a:endParaRPr lang="zh-CN" altLang="en-US"/>
           </a:p>
           <a:p>
             <a:r>
               <a:rPr lang="zh-CN" altLang="en-US"/>
               <a:t>    int pivot = nums[lo];</a:t>
             </a:r>
-            <a:endParaRPr lang="zh-CN" altLang="en-US"/>
           </a:p>
           <a:p>
             <a:r>
               <a:rPr lang="zh-CN" altLang="en-US"/>
               <a:t>    while(lo &lt; hi) {</a:t>
             </a:r>
-            <a:endParaRPr lang="zh-CN" altLang="en-US"/>
           </a:p>
           <a:p>
             <a:r>
               <a:rPr lang="zh-CN" altLang="en-US"/>
               <a:t>        while(nums[hi] &gt; pivot &amp;&amp; lo &lt; hi) --hi;</a:t>
             </a:r>
-            <a:endParaRPr lang="zh-CN" altLang="en-US"/>
           </a:p>
           <a:p>
             <a:r>
               <a:rPr lang="zh-CN" altLang="en-US"/>
               <a:t>        swap(nums[lo], nums[hi]);</a:t>
             </a:r>
-            <a:endParaRPr lang="zh-CN" altLang="en-US"/>
           </a:p>
           <a:p>
             <a:r>
               <a:rPr lang="zh-CN" altLang="en-US"/>
               <a:t>        while(nums[lo] &lt;= pivot &amp;&amp; lo &lt; hi) ++lo;</a:t>
             </a:r>
-            <a:endParaRPr lang="zh-CN" altLang="en-US"/>
           </a:p>
           <a:p>
             <a:r>
               <a:rPr lang="zh-CN" altLang="en-US"/>
               <a:t>        swap(nums[lo], nums[hi]);</a:t>
             </a:r>
-            <a:endParaRPr lang="zh-CN" altLang="en-US"/>
           </a:p>
           <a:p>
             <a:r>
               <a:rPr lang="zh-CN" altLang="en-US"/>
               <a:t>    }</a:t>
             </a:r>
-            <a:endParaRPr lang="zh-CN" altLang="en-US"/>
           </a:p>
           <a:p>
             <a:r>
               <a:rPr lang="zh-CN" altLang="en-US"/>
               <a:t>    </a:t>
             </a:r>
-            <a:endParaRPr lang="zh-CN" altLang="en-US"/>
           </a:p>
           <a:p>
             <a:r>
               <a:rPr lang="zh-CN" altLang="en-US"/>
               <a:t>    return lo;</a:t>
             </a:r>
-            <a:endParaRPr lang="zh-CN" altLang="en-US"/>
           </a:p>
           <a:p>
             <a:r>
               <a:rPr lang="zh-CN" altLang="en-US"/>
               <a:t>}</a:t>
             </a:r>
-            <a:endParaRPr lang="zh-CN" altLang="en-US"/>
           </a:p>
         </p:txBody>
       </p:sp>
     </p:spTree>
+  </p:cSld>
+  <p:clrMapOvr>
+    <a:masterClrMapping/>
+  </p:clrMapOvr>
+</p:sld>
+</file>
+
+<file path=ppt/slides/slide7.xml><?xml version="1.0" encoding="utf-8"?>
+<p:sld xmlns:a="http://schemas.openxmlformats.org/drawingml/2006/main" xmlns:r="http://schemas.openxmlformats.org/officeDocument/2006/relationships" xmlns:p="http://schemas.openxmlformats.org/presentationml/2006/main">
+  <p:cSld>
+    <p:spTree>
+      <p:nvGrpSpPr>
+        <p:cNvPr id="1" name=""/>
+        <p:cNvGrpSpPr/>
+        <p:nvPr/>
+      </p:nvGrpSpPr>
+      <p:grpSpPr>
+        <a:xfrm>
+          <a:off x="0" y="0"/>
+          <a:ext cx="0" cy="0"/>
+          <a:chOff x="0" y="0"/>
+          <a:chExt cx="0" cy="0"/>
+        </a:xfrm>
+      </p:grpSpPr>
+      <p:sp>
+        <p:nvSpPr>
+          <p:cNvPr id="2" name="标题 1"/>
+          <p:cNvSpPr>
+            <a:spLocks noGrp="1"/>
+          </p:cNvSpPr>
+          <p:nvPr>
+            <p:ph type="title"/>
+          </p:nvPr>
+        </p:nvSpPr>
+        <p:spPr/>
+        <p:txBody>
+          <a:bodyPr/>
+          <a:lstStyle/>
+          <a:p>
+            <a:r>
+              <a:rPr lang="zh-CN" altLang="en-US" dirty="0" smtClean="0"/>
+              <a:t>本题解法：复用</a:t>
+            </a:r>
+            <a:r>
+              <a:rPr lang="en-US" altLang="zh-CN" dirty="0" smtClean="0"/>
+              <a:t>partition</a:t>
+            </a:r>
+            <a:r>
+              <a:rPr lang="zh-CN" altLang="en-US" dirty="0" smtClean="0"/>
+              <a:t>函数</a:t>
+            </a:r>
+            <a:endParaRPr lang="zh-CN" altLang="en-US" dirty="0"/>
+          </a:p>
+        </p:txBody>
+      </p:sp>
+      <p:sp>
+        <p:nvSpPr>
+          <p:cNvPr id="3" name="内容占位符 2"/>
+          <p:cNvSpPr>
+            <a:spLocks noGrp="1"/>
+          </p:cNvSpPr>
+          <p:nvPr>
+            <p:ph idx="1"/>
+          </p:nvPr>
+        </p:nvSpPr>
+        <p:spPr/>
+        <p:txBody>
+          <a:bodyPr/>
+          <a:lstStyle/>
+          <a:p>
+            <a:endParaRPr lang="zh-CN" altLang="en-US" dirty="0"/>
+          </a:p>
+        </p:txBody>
+      </p:sp>
+    </p:spTree>
+    <p:extLst>
+      <p:ext uri="{BB962C8B-B14F-4D97-AF65-F5344CB8AC3E}">
+        <p14:creationId xmlns:p14="http://schemas.microsoft.com/office/powerpoint/2010/main" val="1739485967"/>
+      </p:ext>
+    </p:extLst>
   </p:cSld>
   <p:clrMapOvr>
     <a:masterClrMapping/>
@@ -3883,6 +3959,8 @@
       </a:bgFillStyleLst>
     </a:fmtScheme>
   </a:themeElements>
+  <a:objectDefaults/>
+  <a:extraClrSchemeLst/>
   <a:extLst>
     <a:ext uri="{05A4C25C-085E-4340-85A3-A5531E510DB2}">
       <thm15:themeFamily xmlns:thm15="http://schemas.microsoft.com/office/thememl/2012/main" name="Office Theme" id="{62F939B6-93AF-4DB8-9C6B-D6C7DFDC589F}" vid="{4A3C46E8-61CC-4603-A589-7422A47A8E4A}"/>

--- a/PPTs/快速排序和快速选择.pptx
+++ b/PPTs/快速排序和快速选择.pptx
@@ -5,13 +5,13 @@
     <p:sldMasterId id="2147483648" r:id="rId1"/>
   </p:sldMasterIdLst>
   <p:sldIdLst>
-    <p:sldId id="256" r:id="rId2"/>
-    <p:sldId id="257" r:id="rId3"/>
-    <p:sldId id="258" r:id="rId4"/>
-    <p:sldId id="259" r:id="rId5"/>
-    <p:sldId id="260" r:id="rId6"/>
-    <p:sldId id="261" r:id="rId7"/>
-    <p:sldId id="262" r:id="rId8"/>
+    <p:sldId id="256" r:id="rId3"/>
+    <p:sldId id="257" r:id="rId4"/>
+    <p:sldId id="258" r:id="rId5"/>
+    <p:sldId id="259" r:id="rId6"/>
+    <p:sldId id="260" r:id="rId7"/>
+    <p:sldId id="261" r:id="rId8"/>
+    <p:sldId id="262" r:id="rId9"/>
   </p:sldIdLst>
   <p:sldSz cx="12192000" cy="6858000"/>
   <p:notesSz cx="6858000" cy="9144000"/>
@@ -110,11 +110,6 @@
       </a:defRPr>
     </a:lvl9pPr>
   </p:defaultTextStyle>
-  <p:extLst>
-    <p:ext uri="{EFAFB233-063F-42B5-8137-9DF3F51BA10A}">
-      <p15:sldGuideLst xmlns:p15="http://schemas.microsoft.com/office/powerpoint/2012/main"/>
-    </p:ext>
-  </p:extLst>
 </p:presentation>
 </file>
 
@@ -249,7 +244,6 @@
           <a:p>
             <a:fld id="{D997B5FA-0921-464F-AAE1-844C04324D75}" type="datetimeFigureOut">
               <a:rPr lang="zh-CN" altLang="en-US" smtClean="0"/>
-              <a:t>2021/2/2</a:t>
             </a:fld>
             <a:endParaRPr lang="zh-CN" altLang="en-US"/>
           </a:p>
@@ -291,7 +285,6 @@
           <a:p>
             <a:fld id="{565CE74E-AB26-4998-AD42-012C4C1AD076}" type="slidenum">
               <a:rPr lang="zh-CN" altLang="en-US" smtClean="0"/>
-              <a:t>‹#›</a:t>
             </a:fld>
             <a:endParaRPr lang="zh-CN" altLang="en-US"/>
           </a:p>
@@ -365,6 +358,7 @@
               <a:rPr lang="zh-CN" altLang="en-US" smtClean="0"/>
               <a:t>单击此处编辑母版文本样式</a:t>
             </a:r>
+            <a:endParaRPr lang="zh-CN" altLang="en-US" smtClean="0"/>
           </a:p>
           <a:p>
             <a:pPr lvl="1"/>
@@ -372,6 +366,7 @@
               <a:rPr lang="zh-CN" altLang="en-US" smtClean="0"/>
               <a:t>第二级</a:t>
             </a:r>
+            <a:endParaRPr lang="zh-CN" altLang="en-US" smtClean="0"/>
           </a:p>
           <a:p>
             <a:pPr lvl="2"/>
@@ -379,6 +374,7 @@
               <a:rPr lang="zh-CN" altLang="en-US" smtClean="0"/>
               <a:t>第三级</a:t>
             </a:r>
+            <a:endParaRPr lang="zh-CN" altLang="en-US" smtClean="0"/>
           </a:p>
           <a:p>
             <a:pPr lvl="3"/>
@@ -386,6 +382,7 @@
               <a:rPr lang="zh-CN" altLang="en-US" smtClean="0"/>
               <a:t>第四级</a:t>
             </a:r>
+            <a:endParaRPr lang="zh-CN" altLang="en-US" smtClean="0"/>
           </a:p>
           <a:p>
             <a:pPr lvl="4"/>
@@ -414,7 +411,6 @@
           <a:p>
             <a:fld id="{D997B5FA-0921-464F-AAE1-844C04324D75}" type="datetimeFigureOut">
               <a:rPr lang="zh-CN" altLang="en-US" smtClean="0"/>
-              <a:t>2021/2/2</a:t>
             </a:fld>
             <a:endParaRPr lang="zh-CN" altLang="en-US"/>
           </a:p>
@@ -456,7 +452,6 @@
           <a:p>
             <a:fld id="{565CE74E-AB26-4998-AD42-012C4C1AD076}" type="slidenum">
               <a:rPr lang="zh-CN" altLang="en-US" smtClean="0"/>
-              <a:t>‹#›</a:t>
             </a:fld>
             <a:endParaRPr lang="zh-CN" altLang="en-US"/>
           </a:p>
@@ -540,6 +535,7 @@
               <a:rPr lang="zh-CN" altLang="en-US" smtClean="0"/>
               <a:t>单击此处编辑母版文本样式</a:t>
             </a:r>
+            <a:endParaRPr lang="zh-CN" altLang="en-US" smtClean="0"/>
           </a:p>
           <a:p>
             <a:pPr lvl="1"/>
@@ -547,6 +543,7 @@
               <a:rPr lang="zh-CN" altLang="en-US" smtClean="0"/>
               <a:t>第二级</a:t>
             </a:r>
+            <a:endParaRPr lang="zh-CN" altLang="en-US" smtClean="0"/>
           </a:p>
           <a:p>
             <a:pPr lvl="2"/>
@@ -554,6 +551,7 @@
               <a:rPr lang="zh-CN" altLang="en-US" smtClean="0"/>
               <a:t>第三级</a:t>
             </a:r>
+            <a:endParaRPr lang="zh-CN" altLang="en-US" smtClean="0"/>
           </a:p>
           <a:p>
             <a:pPr lvl="3"/>
@@ -561,6 +559,7 @@
               <a:rPr lang="zh-CN" altLang="en-US" smtClean="0"/>
               <a:t>第四级</a:t>
             </a:r>
+            <a:endParaRPr lang="zh-CN" altLang="en-US" smtClean="0"/>
           </a:p>
           <a:p>
             <a:pPr lvl="4"/>
@@ -589,7 +588,6 @@
           <a:p>
             <a:fld id="{D997B5FA-0921-464F-AAE1-844C04324D75}" type="datetimeFigureOut">
               <a:rPr lang="zh-CN" altLang="en-US" smtClean="0"/>
-              <a:t>2021/2/2</a:t>
             </a:fld>
             <a:endParaRPr lang="zh-CN" altLang="en-US"/>
           </a:p>
@@ -631,7 +629,6 @@
           <a:p>
             <a:fld id="{565CE74E-AB26-4998-AD42-012C4C1AD076}" type="slidenum">
               <a:rPr lang="zh-CN" altLang="en-US" smtClean="0"/>
-              <a:t>‹#›</a:t>
             </a:fld>
             <a:endParaRPr lang="zh-CN" altLang="en-US"/>
           </a:p>
@@ -705,6 +702,7 @@
               <a:rPr lang="zh-CN" altLang="en-US" smtClean="0"/>
               <a:t>单击此处编辑母版文本样式</a:t>
             </a:r>
+            <a:endParaRPr lang="zh-CN" altLang="en-US" smtClean="0"/>
           </a:p>
           <a:p>
             <a:pPr lvl="1"/>
@@ -712,6 +710,7 @@
               <a:rPr lang="zh-CN" altLang="en-US" smtClean="0"/>
               <a:t>第二级</a:t>
             </a:r>
+            <a:endParaRPr lang="zh-CN" altLang="en-US" smtClean="0"/>
           </a:p>
           <a:p>
             <a:pPr lvl="2"/>
@@ -719,6 +718,7 @@
               <a:rPr lang="zh-CN" altLang="en-US" smtClean="0"/>
               <a:t>第三级</a:t>
             </a:r>
+            <a:endParaRPr lang="zh-CN" altLang="en-US" smtClean="0"/>
           </a:p>
           <a:p>
             <a:pPr lvl="3"/>
@@ -726,6 +726,7 @@
               <a:rPr lang="zh-CN" altLang="en-US" smtClean="0"/>
               <a:t>第四级</a:t>
             </a:r>
+            <a:endParaRPr lang="zh-CN" altLang="en-US" smtClean="0"/>
           </a:p>
           <a:p>
             <a:pPr lvl="4"/>
@@ -754,7 +755,6 @@
           <a:p>
             <a:fld id="{D997B5FA-0921-464F-AAE1-844C04324D75}" type="datetimeFigureOut">
               <a:rPr lang="zh-CN" altLang="en-US" smtClean="0"/>
-              <a:t>2021/2/2</a:t>
             </a:fld>
             <a:endParaRPr lang="zh-CN" altLang="en-US"/>
           </a:p>
@@ -796,7 +796,6 @@
           <a:p>
             <a:fld id="{565CE74E-AB26-4998-AD42-012C4C1AD076}" type="slidenum">
               <a:rPr lang="zh-CN" altLang="en-US" smtClean="0"/>
-              <a:t>‹#›</a:t>
             </a:fld>
             <a:endParaRPr lang="zh-CN" altLang="en-US"/>
           </a:p>
@@ -975,6 +974,7 @@
               <a:rPr lang="zh-CN" altLang="en-US" smtClean="0"/>
               <a:t>单击此处编辑母版文本样式</a:t>
             </a:r>
+            <a:endParaRPr lang="zh-CN" altLang="en-US" smtClean="0"/>
           </a:p>
         </p:txBody>
       </p:sp>
@@ -995,7 +995,6 @@
           <a:p>
             <a:fld id="{D997B5FA-0921-464F-AAE1-844C04324D75}" type="datetimeFigureOut">
               <a:rPr lang="zh-CN" altLang="en-US" smtClean="0"/>
-              <a:t>2021/2/2</a:t>
             </a:fld>
             <a:endParaRPr lang="zh-CN" altLang="en-US"/>
           </a:p>
@@ -1037,7 +1036,6 @@
           <a:p>
             <a:fld id="{565CE74E-AB26-4998-AD42-012C4C1AD076}" type="slidenum">
               <a:rPr lang="zh-CN" altLang="en-US" smtClean="0"/>
-              <a:t>‹#›</a:t>
             </a:fld>
             <a:endParaRPr lang="zh-CN" altLang="en-US"/>
           </a:p>
@@ -1116,6 +1114,7 @@
               <a:rPr lang="zh-CN" altLang="en-US" smtClean="0"/>
               <a:t>单击此处编辑母版文本样式</a:t>
             </a:r>
+            <a:endParaRPr lang="zh-CN" altLang="en-US" smtClean="0"/>
           </a:p>
           <a:p>
             <a:pPr lvl="1"/>
@@ -1123,6 +1122,7 @@
               <a:rPr lang="zh-CN" altLang="en-US" smtClean="0"/>
               <a:t>第二级</a:t>
             </a:r>
+            <a:endParaRPr lang="zh-CN" altLang="en-US" smtClean="0"/>
           </a:p>
           <a:p>
             <a:pPr lvl="2"/>
@@ -1130,6 +1130,7 @@
               <a:rPr lang="zh-CN" altLang="en-US" smtClean="0"/>
               <a:t>第三级</a:t>
             </a:r>
+            <a:endParaRPr lang="zh-CN" altLang="en-US" smtClean="0"/>
           </a:p>
           <a:p>
             <a:pPr lvl="3"/>
@@ -1137,6 +1138,7 @@
               <a:rPr lang="zh-CN" altLang="en-US" smtClean="0"/>
               <a:t>第四级</a:t>
             </a:r>
+            <a:endParaRPr lang="zh-CN" altLang="en-US" smtClean="0"/>
           </a:p>
           <a:p>
             <a:pPr lvl="4"/>
@@ -1173,6 +1175,7 @@
               <a:rPr lang="zh-CN" altLang="en-US" smtClean="0"/>
               <a:t>单击此处编辑母版文本样式</a:t>
             </a:r>
+            <a:endParaRPr lang="zh-CN" altLang="en-US" smtClean="0"/>
           </a:p>
           <a:p>
             <a:pPr lvl="1"/>
@@ -1180,6 +1183,7 @@
               <a:rPr lang="zh-CN" altLang="en-US" smtClean="0"/>
               <a:t>第二级</a:t>
             </a:r>
+            <a:endParaRPr lang="zh-CN" altLang="en-US" smtClean="0"/>
           </a:p>
           <a:p>
             <a:pPr lvl="2"/>
@@ -1187,6 +1191,7 @@
               <a:rPr lang="zh-CN" altLang="en-US" smtClean="0"/>
               <a:t>第三级</a:t>
             </a:r>
+            <a:endParaRPr lang="zh-CN" altLang="en-US" smtClean="0"/>
           </a:p>
           <a:p>
             <a:pPr lvl="3"/>
@@ -1194,6 +1199,7 @@
               <a:rPr lang="zh-CN" altLang="en-US" smtClean="0"/>
               <a:t>第四级</a:t>
             </a:r>
+            <a:endParaRPr lang="zh-CN" altLang="en-US" smtClean="0"/>
           </a:p>
           <a:p>
             <a:pPr lvl="4"/>
@@ -1222,7 +1228,6 @@
           <a:p>
             <a:fld id="{D997B5FA-0921-464F-AAE1-844C04324D75}" type="datetimeFigureOut">
               <a:rPr lang="zh-CN" altLang="en-US" smtClean="0"/>
-              <a:t>2021/2/2</a:t>
             </a:fld>
             <a:endParaRPr lang="zh-CN" altLang="en-US"/>
           </a:p>
@@ -1264,7 +1269,6 @@
           <a:p>
             <a:fld id="{565CE74E-AB26-4998-AD42-012C4C1AD076}" type="slidenum">
               <a:rPr lang="zh-CN" altLang="en-US" smtClean="0"/>
-              <a:t>‹#›</a:t>
             </a:fld>
             <a:endParaRPr lang="zh-CN" altLang="en-US"/>
           </a:p>
@@ -1385,6 +1389,7 @@
               <a:rPr lang="zh-CN" altLang="en-US" smtClean="0"/>
               <a:t>单击此处编辑母版文本样式</a:t>
             </a:r>
+            <a:endParaRPr lang="zh-CN" altLang="en-US" smtClean="0"/>
           </a:p>
         </p:txBody>
       </p:sp>
@@ -1413,6 +1418,7 @@
               <a:rPr lang="zh-CN" altLang="en-US" smtClean="0"/>
               <a:t>单击此处编辑母版文本样式</a:t>
             </a:r>
+            <a:endParaRPr lang="zh-CN" altLang="en-US" smtClean="0"/>
           </a:p>
           <a:p>
             <a:pPr lvl="1"/>
@@ -1420,6 +1426,7 @@
               <a:rPr lang="zh-CN" altLang="en-US" smtClean="0"/>
               <a:t>第二级</a:t>
             </a:r>
+            <a:endParaRPr lang="zh-CN" altLang="en-US" smtClean="0"/>
           </a:p>
           <a:p>
             <a:pPr lvl="2"/>
@@ -1427,6 +1434,7 @@
               <a:rPr lang="zh-CN" altLang="en-US" smtClean="0"/>
               <a:t>第三级</a:t>
             </a:r>
+            <a:endParaRPr lang="zh-CN" altLang="en-US" smtClean="0"/>
           </a:p>
           <a:p>
             <a:pPr lvl="3"/>
@@ -1434,6 +1442,7 @@
               <a:rPr lang="zh-CN" altLang="en-US" smtClean="0"/>
               <a:t>第四级</a:t>
             </a:r>
+            <a:endParaRPr lang="zh-CN" altLang="en-US" smtClean="0"/>
           </a:p>
           <a:p>
             <a:pPr lvl="4"/>
@@ -1507,6 +1516,7 @@
               <a:rPr lang="zh-CN" altLang="en-US" smtClean="0"/>
               <a:t>单击此处编辑母版文本样式</a:t>
             </a:r>
+            <a:endParaRPr lang="zh-CN" altLang="en-US" smtClean="0"/>
           </a:p>
         </p:txBody>
       </p:sp>
@@ -1535,6 +1545,7 @@
               <a:rPr lang="zh-CN" altLang="en-US" smtClean="0"/>
               <a:t>单击此处编辑母版文本样式</a:t>
             </a:r>
+            <a:endParaRPr lang="zh-CN" altLang="en-US" smtClean="0"/>
           </a:p>
           <a:p>
             <a:pPr lvl="1"/>
@@ -1542,6 +1553,7 @@
               <a:rPr lang="zh-CN" altLang="en-US" smtClean="0"/>
               <a:t>第二级</a:t>
             </a:r>
+            <a:endParaRPr lang="zh-CN" altLang="en-US" smtClean="0"/>
           </a:p>
           <a:p>
             <a:pPr lvl="2"/>
@@ -1549,6 +1561,7 @@
               <a:rPr lang="zh-CN" altLang="en-US" smtClean="0"/>
               <a:t>第三级</a:t>
             </a:r>
+            <a:endParaRPr lang="zh-CN" altLang="en-US" smtClean="0"/>
           </a:p>
           <a:p>
             <a:pPr lvl="3"/>
@@ -1556,6 +1569,7 @@
               <a:rPr lang="zh-CN" altLang="en-US" smtClean="0"/>
               <a:t>第四级</a:t>
             </a:r>
+            <a:endParaRPr lang="zh-CN" altLang="en-US" smtClean="0"/>
           </a:p>
           <a:p>
             <a:pPr lvl="4"/>
@@ -1584,7 +1598,6 @@
           <a:p>
             <a:fld id="{D997B5FA-0921-464F-AAE1-844C04324D75}" type="datetimeFigureOut">
               <a:rPr lang="zh-CN" altLang="en-US" smtClean="0"/>
-              <a:t>2021/2/2</a:t>
             </a:fld>
             <a:endParaRPr lang="zh-CN" altLang="en-US"/>
           </a:p>
@@ -1626,7 +1639,6 @@
           <a:p>
             <a:fld id="{565CE74E-AB26-4998-AD42-012C4C1AD076}" type="slidenum">
               <a:rPr lang="zh-CN" altLang="en-US" smtClean="0"/>
-              <a:t>‹#›</a:t>
             </a:fld>
             <a:endParaRPr lang="zh-CN" altLang="en-US"/>
           </a:p>
@@ -1697,7 +1709,6 @@
           <a:p>
             <a:fld id="{D997B5FA-0921-464F-AAE1-844C04324D75}" type="datetimeFigureOut">
               <a:rPr lang="zh-CN" altLang="en-US" smtClean="0"/>
-              <a:t>2021/2/2</a:t>
             </a:fld>
             <a:endParaRPr lang="zh-CN" altLang="en-US"/>
           </a:p>
@@ -1739,7 +1750,6 @@
           <a:p>
             <a:fld id="{565CE74E-AB26-4998-AD42-012C4C1AD076}" type="slidenum">
               <a:rPr lang="zh-CN" altLang="en-US" smtClean="0"/>
-              <a:t>‹#›</a:t>
             </a:fld>
             <a:endParaRPr lang="zh-CN" altLang="en-US"/>
           </a:p>
@@ -1787,7 +1797,6 @@
           <a:p>
             <a:fld id="{D997B5FA-0921-464F-AAE1-844C04324D75}" type="datetimeFigureOut">
               <a:rPr lang="zh-CN" altLang="en-US" smtClean="0"/>
-              <a:t>2021/2/2</a:t>
             </a:fld>
             <a:endParaRPr lang="zh-CN" altLang="en-US"/>
           </a:p>
@@ -1829,7 +1838,6 @@
           <a:p>
             <a:fld id="{565CE74E-AB26-4998-AD42-012C4C1AD076}" type="slidenum">
               <a:rPr lang="zh-CN" altLang="en-US" smtClean="0"/>
-              <a:t>‹#›</a:t>
             </a:fld>
             <a:endParaRPr lang="zh-CN" altLang="en-US"/>
           </a:p>
@@ -1945,6 +1953,7 @@
               <a:rPr lang="zh-CN" altLang="en-US" smtClean="0"/>
               <a:t>单击此处编辑母版文本样式</a:t>
             </a:r>
+            <a:endParaRPr lang="zh-CN" altLang="en-US" smtClean="0"/>
           </a:p>
           <a:p>
             <a:pPr lvl="1"/>
@@ -1952,6 +1961,7 @@
               <a:rPr lang="zh-CN" altLang="en-US" smtClean="0"/>
               <a:t>第二级</a:t>
             </a:r>
+            <a:endParaRPr lang="zh-CN" altLang="en-US" smtClean="0"/>
           </a:p>
           <a:p>
             <a:pPr lvl="2"/>
@@ -1959,6 +1969,7 @@
               <a:rPr lang="zh-CN" altLang="en-US" smtClean="0"/>
               <a:t>第三级</a:t>
             </a:r>
+            <a:endParaRPr lang="zh-CN" altLang="en-US" smtClean="0"/>
           </a:p>
           <a:p>
             <a:pPr lvl="3"/>
@@ -1966,6 +1977,7 @@
               <a:rPr lang="zh-CN" altLang="en-US" smtClean="0"/>
               <a:t>第四级</a:t>
             </a:r>
+            <a:endParaRPr lang="zh-CN" altLang="en-US" smtClean="0"/>
           </a:p>
           <a:p>
             <a:pPr lvl="4"/>
@@ -2039,6 +2051,7 @@
               <a:rPr lang="zh-CN" altLang="en-US" smtClean="0"/>
               <a:t>单击此处编辑母版文本样式</a:t>
             </a:r>
+            <a:endParaRPr lang="zh-CN" altLang="en-US" smtClean="0"/>
           </a:p>
         </p:txBody>
       </p:sp>
@@ -2059,7 +2072,6 @@
           <a:p>
             <a:fld id="{D997B5FA-0921-464F-AAE1-844C04324D75}" type="datetimeFigureOut">
               <a:rPr lang="zh-CN" altLang="en-US" smtClean="0"/>
-              <a:t>2021/2/2</a:t>
             </a:fld>
             <a:endParaRPr lang="zh-CN" altLang="en-US"/>
           </a:p>
@@ -2101,7 +2113,6 @@
           <a:p>
             <a:fld id="{565CE74E-AB26-4998-AD42-012C4C1AD076}" type="slidenum">
               <a:rPr lang="zh-CN" altLang="en-US" smtClean="0"/>
-              <a:t>‹#›</a:t>
             </a:fld>
             <a:endParaRPr lang="zh-CN" altLang="en-US"/>
           </a:p>
@@ -2287,6 +2298,7 @@
               <a:rPr lang="zh-CN" altLang="en-US" smtClean="0"/>
               <a:t>单击此处编辑母版文本样式</a:t>
             </a:r>
+            <a:endParaRPr lang="zh-CN" altLang="en-US" smtClean="0"/>
           </a:p>
         </p:txBody>
       </p:sp>
@@ -2307,7 +2319,6 @@
           <a:p>
             <a:fld id="{D997B5FA-0921-464F-AAE1-844C04324D75}" type="datetimeFigureOut">
               <a:rPr lang="zh-CN" altLang="en-US" smtClean="0"/>
-              <a:t>2021/2/2</a:t>
             </a:fld>
             <a:endParaRPr lang="zh-CN" altLang="en-US"/>
           </a:p>
@@ -2349,7 +2360,6 @@
           <a:p>
             <a:fld id="{565CE74E-AB26-4998-AD42-012C4C1AD076}" type="slidenum">
               <a:rPr lang="zh-CN" altLang="en-US" smtClean="0"/>
-              <a:t>‹#›</a:t>
             </a:fld>
             <a:endParaRPr lang="zh-CN" altLang="en-US"/>
           </a:p>
@@ -2448,6 +2458,7 @@
               <a:rPr lang="zh-CN" altLang="en-US" smtClean="0"/>
               <a:t>单击此处编辑母版文本样式</a:t>
             </a:r>
+            <a:endParaRPr lang="zh-CN" altLang="en-US" smtClean="0"/>
           </a:p>
           <a:p>
             <a:pPr lvl="1"/>
@@ -2455,6 +2466,7 @@
               <a:rPr lang="zh-CN" altLang="en-US" smtClean="0"/>
               <a:t>第二级</a:t>
             </a:r>
+            <a:endParaRPr lang="zh-CN" altLang="en-US" smtClean="0"/>
           </a:p>
           <a:p>
             <a:pPr lvl="2"/>
@@ -2462,6 +2474,7 @@
               <a:rPr lang="zh-CN" altLang="en-US" smtClean="0"/>
               <a:t>第三级</a:t>
             </a:r>
+            <a:endParaRPr lang="zh-CN" altLang="en-US" smtClean="0"/>
           </a:p>
           <a:p>
             <a:pPr lvl="3"/>
@@ -2469,6 +2482,7 @@
               <a:rPr lang="zh-CN" altLang="en-US" smtClean="0"/>
               <a:t>第四级</a:t>
             </a:r>
+            <a:endParaRPr lang="zh-CN" altLang="en-US" smtClean="0"/>
           </a:p>
           <a:p>
             <a:pPr lvl="4"/>
@@ -2515,7 +2529,6 @@
           <a:p>
             <a:fld id="{D997B5FA-0921-464F-AAE1-844C04324D75}" type="datetimeFigureOut">
               <a:rPr lang="zh-CN" altLang="en-US" smtClean="0"/>
-              <a:t>2021/2/2</a:t>
             </a:fld>
             <a:endParaRPr lang="zh-CN" altLang="en-US"/>
           </a:p>
@@ -2593,7 +2606,6 @@
           <a:p>
             <a:fld id="{565CE74E-AB26-4998-AD42-012C4C1AD076}" type="slidenum">
               <a:rPr lang="zh-CN" altLang="en-US" smtClean="0"/>
-              <a:t>‹#›</a:t>
             </a:fld>
             <a:endParaRPr lang="zh-CN" altLang="en-US"/>
           </a:p>
@@ -2931,9 +2943,10 @@
           <a:lstStyle/>
           <a:p>
             <a:r>
-              <a:rPr lang="" altLang="zh-CN"/>
+              <a:rPr lang="en-US" altLang="zh-CN"/>
               <a:t>快速排序和快速选择</a:t>
             </a:r>
+            <a:endParaRPr lang="en-US" altLang="zh-CN"/>
           </a:p>
         </p:txBody>
       </p:sp>
@@ -2997,9 +3010,10 @@
           <a:lstStyle/>
           <a:p>
             <a:r>
-              <a:rPr lang="" altLang="zh-CN"/>
+              <a:rPr lang="en-US" altLang="zh-CN"/>
               <a:t>原始题目</a:t>
             </a:r>
+            <a:endParaRPr lang="en-US" altLang="zh-CN"/>
           </a:p>
         </p:txBody>
       </p:sp>
@@ -3022,24 +3036,27 @@
               <a:rPr lang="zh-CN" altLang="en-US"/>
               <a:t>原始题目很简单，给你输入一个无序的数组nums和一个正整数k，让你计算nums中第k大的元素。</a:t>
             </a:r>
-          </a:p>
-          <a:p>
-            <a:endParaRPr lang="zh-CN" altLang="en-US"/>
-          </a:p>
-          <a:p>
-            <a:r>
-              <a:rPr lang="" altLang="zh-CN"/>
+            <a:endParaRPr lang="zh-CN" altLang="en-US"/>
+          </a:p>
+          <a:p>
+            <a:endParaRPr lang="zh-CN" altLang="en-US"/>
+          </a:p>
+          <a:p>
+            <a:r>
+              <a:rPr lang="en-US" altLang="zh-CN"/>
               <a:t>首先想到排序，但最快的排序复杂度是NlogN</a:t>
             </a:r>
-          </a:p>
-          <a:p>
-            <a:endParaRPr lang="" altLang="zh-CN"/>
-          </a:p>
-          <a:p>
-            <a:r>
-              <a:rPr lang="" altLang="zh-CN"/>
+            <a:endParaRPr lang="en-US" altLang="zh-CN"/>
+          </a:p>
+          <a:p>
+            <a:endParaRPr lang="en-US" altLang="zh-CN"/>
+          </a:p>
+          <a:p>
+            <a:r>
+              <a:rPr lang="en-US" altLang="zh-CN"/>
               <a:t>本文的小技巧是把复杂度降低为NlogK或者N</a:t>
             </a:r>
+            <a:endParaRPr lang="en-US" altLang="zh-CN"/>
           </a:p>
         </p:txBody>
       </p:sp>
@@ -3084,9 +3101,10 @@
           <a:lstStyle/>
           <a:p>
             <a:r>
-              <a:rPr lang="" altLang="zh-CN"/>
+              <a:rPr lang="en-US" altLang="zh-CN"/>
               <a:t>二叉堆解法</a:t>
             </a:r>
+            <a:endParaRPr lang="en-US" altLang="zh-CN"/>
           </a:p>
         </p:txBody>
       </p:sp>
@@ -3106,21 +3124,24 @@
           <a:lstStyle/>
           <a:p>
             <a:r>
-              <a:rPr lang="" altLang="zh-CN"/>
+              <a:rPr lang="en-US" altLang="zh-CN"/>
               <a:t>思路：建一个优先级队列</a:t>
             </a:r>
-          </a:p>
-          <a:p>
-            <a:r>
-              <a:rPr lang="" altLang="zh-CN"/>
+            <a:endParaRPr lang="en-US" altLang="zh-CN"/>
+          </a:p>
+          <a:p>
+            <a:r>
+              <a:rPr lang="en-US" altLang="zh-CN"/>
               <a:t>大根堆还是小根堆呢？很简答，当然是小根堆。因为优先级队列从头部吐数据，小的都吐掉，才能剩下大的。</a:t>
             </a:r>
-          </a:p>
-          <a:p>
-            <a:r>
-              <a:rPr lang="" altLang="zh-CN"/>
+            <a:endParaRPr lang="en-US" altLang="zh-CN"/>
+          </a:p>
+          <a:p>
+            <a:r>
+              <a:rPr lang="en-US" altLang="zh-CN"/>
               <a:t>控制堆的大小在k</a:t>
             </a:r>
+            <a:endParaRPr lang="en-US" altLang="zh-CN"/>
           </a:p>
         </p:txBody>
       </p:sp>
@@ -3165,9 +3186,10 @@
           <a:lstStyle/>
           <a:p>
             <a:r>
-              <a:rPr lang="" altLang="zh-CN"/>
+              <a:rPr lang="en-US" altLang="zh-CN"/>
               <a:t>快速选择解法 - 先说快速排序</a:t>
             </a:r>
+            <a:endParaRPr lang="en-US" altLang="zh-CN"/>
           </a:p>
         </p:txBody>
       </p:sp>
@@ -3195,87 +3217,96 @@
               <a:buNone/>
             </a:pPr>
             <a:r>
-              <a:rPr lang="" altLang="zh-CN"/>
+              <a:rPr lang="en-US" altLang="zh-CN"/>
               <a:t>void QuickSort(vector&lt;int&gt;&amp; nums) {</a:t>
             </a:r>
+            <a:endParaRPr lang="en-US" altLang="zh-CN"/>
           </a:p>
           <a:p>
             <a:pPr marL="457200" lvl="1" indent="0">
               <a:buNone/>
             </a:pPr>
             <a:r>
-              <a:rPr lang="" altLang="zh-CN"/>
+              <a:rPr lang="en-US" altLang="zh-CN"/>
               <a:t>	sort(nums, 0, nums.size()-1);</a:t>
             </a:r>
+            <a:endParaRPr lang="en-US" altLang="zh-CN"/>
           </a:p>
           <a:p>
             <a:pPr marL="457200" lvl="1" indent="0">
               <a:buNone/>
             </a:pPr>
             <a:r>
-              <a:rPr lang="" altLang="zh-CN"/>
+              <a:rPr lang="en-US" altLang="zh-CN"/>
               <a:t>}</a:t>
             </a:r>
+            <a:endParaRPr lang="en-US" altLang="zh-CN"/>
           </a:p>
           <a:p>
             <a:pPr marL="457200" lvl="1" indent="0">
               <a:buNone/>
             </a:pPr>
-            <a:endParaRPr lang="" altLang="zh-CN"/>
+            <a:endParaRPr lang="en-US" altLang="zh-CN"/>
           </a:p>
           <a:p>
             <a:pPr marL="457200" lvl="1" indent="0">
               <a:buNone/>
             </a:pPr>
             <a:r>
-              <a:rPr lang="" altLang="zh-CN"/>
+              <a:rPr lang="en-US" altLang="zh-CN"/>
               <a:t>void QuickSort(vector&lt;int&gt;&amp; nums, int lo, int hi) {</a:t>
             </a:r>
+            <a:endParaRPr lang="en-US" altLang="zh-CN"/>
           </a:p>
           <a:p>
             <a:pPr marL="457200" lvl="1" indent="0">
               <a:buNone/>
             </a:pPr>
             <a:r>
-              <a:rPr lang="" altLang="zh-CN"/>
+              <a:rPr lang="en-US" altLang="zh-CN"/>
               <a:t>	if(lo &gt;= hi) return;</a:t>
             </a:r>
+            <a:endParaRPr lang="en-US" altLang="zh-CN"/>
           </a:p>
           <a:p>
             <a:pPr marL="457200" lvl="1" indent="0">
               <a:buNone/>
             </a:pPr>
             <a:r>
-              <a:rPr lang="" altLang="zh-CN"/>
+              <a:rPr lang="en-US" altLang="zh-CN"/>
               <a:t>	int pv = partition(nums, lo, hi);</a:t>
             </a:r>
+            <a:endParaRPr lang="en-US" altLang="zh-CN"/>
           </a:p>
           <a:p>
             <a:pPr marL="457200" lvl="1" indent="0">
               <a:buNone/>
             </a:pPr>
             <a:r>
-              <a:rPr lang="" altLang="zh-CN"/>
+              <a:rPr lang="en-US" altLang="zh-CN"/>
               <a:t>	QuickSort(nums, lo, pv-1);</a:t>
             </a:r>
+            <a:endParaRPr lang="en-US" altLang="zh-CN"/>
           </a:p>
           <a:p>
             <a:pPr marL="457200" lvl="1" indent="0">
               <a:buNone/>
             </a:pPr>
             <a:r>
-              <a:rPr lang="" altLang="zh-CN"/>
+              <a:rPr lang="en-US" altLang="zh-CN"/>
               <a:t>	QuickSort(nums, pv+1, hi);</a:t>
             </a:r>
+            <a:endParaRPr lang="en-US" altLang="zh-CN"/>
           </a:p>
           <a:p>
             <a:pPr marL="457200" lvl="1" indent="0">
               <a:buNone/>
             </a:pPr>
             <a:r>
-              <a:rPr lang="" altLang="zh-CN"/>
+              <a:rPr lang="en-US" altLang="zh-CN"/>
               <a:t>}</a:t>
             </a:r>
+            <a:endParaRPr lang="en-US" altLang="zh-CN"/>
           </a:p>
         </p:txBody>
       </p:sp>
@@ -3320,9 +3351,10 @@
           <a:lstStyle/>
           <a:p>
             <a:r>
-              <a:rPr lang="" altLang="zh-CN"/>
+              <a:rPr lang="en-US" altLang="zh-CN"/>
               <a:t>关键就在这个partition</a:t>
             </a:r>
+            <a:endParaRPr lang="en-US" altLang="zh-CN"/>
           </a:p>
         </p:txBody>
       </p:sp>
@@ -3352,135 +3384,150 @@
               <a:buNone/>
             </a:pPr>
             <a:r>
-              <a:rPr lang="" altLang="zh-CN"/>
+              <a:rPr lang="en-US" altLang="zh-CN"/>
               <a:t>写法一：</a:t>
             </a:r>
+            <a:endParaRPr lang="en-US" altLang="zh-CN"/>
           </a:p>
           <a:p>
             <a:pPr marL="0" indent="0">
               <a:buNone/>
             </a:pPr>
             <a:r>
-              <a:rPr lang="" altLang="zh-CN"/>
+              <a:rPr lang="en-US" altLang="zh-CN"/>
               <a:t>int partition(int nums[], int lo, int hi) {</a:t>
             </a:r>
+            <a:endParaRPr lang="en-US" altLang="zh-CN"/>
           </a:p>
           <a:p>
             <a:pPr marL="0" indent="0">
               <a:buNone/>
             </a:pPr>
             <a:r>
-              <a:rPr lang="" altLang="zh-CN"/>
+              <a:rPr lang="en-US" altLang="zh-CN"/>
               <a:t>    int pivot = nums[lo];</a:t>
             </a:r>
+            <a:endParaRPr lang="en-US" altLang="zh-CN"/>
           </a:p>
           <a:p>
             <a:pPr marL="0" indent="0">
               <a:buNone/>
             </a:pPr>
             <a:r>
-              <a:rPr lang="" altLang="zh-CN"/>
+              <a:rPr lang="en-US" altLang="zh-CN"/>
               <a:t>    int i = lo, j = hi + 1;</a:t>
             </a:r>
+            <a:endParaRPr lang="en-US" altLang="zh-CN"/>
           </a:p>
           <a:p>
             <a:pPr marL="0" indent="0">
               <a:buNone/>
             </a:pPr>
             <a:r>
-              <a:rPr lang="" altLang="zh-CN"/>
+              <a:rPr lang="en-US" altLang="zh-CN"/>
               <a:t>    while(true) {</a:t>
             </a:r>
+            <a:endParaRPr lang="en-US" altLang="zh-CN"/>
           </a:p>
           <a:p>
             <a:pPr marL="0" indent="0">
               <a:buNone/>
             </a:pPr>
             <a:r>
-              <a:rPr lang="" altLang="zh-CN"/>
+              <a:rPr lang="en-US" altLang="zh-CN"/>
               <a:t>        while(nums[--j] &gt; pivot)</a:t>
             </a:r>
+            <a:endParaRPr lang="en-US" altLang="zh-CN"/>
           </a:p>
           <a:p>
             <a:pPr marL="0" indent="0">
               <a:buNone/>
             </a:pPr>
             <a:r>
-              <a:rPr lang="" altLang="zh-CN"/>
+              <a:rPr lang="en-US" altLang="zh-CN"/>
               <a:t>            if(j==lo) break;</a:t>
             </a:r>
+            <a:endParaRPr lang="en-US" altLang="zh-CN"/>
           </a:p>
           <a:p>
             <a:pPr marL="0" indent="0">
               <a:buNone/>
             </a:pPr>
             <a:r>
-              <a:rPr lang="" altLang="zh-CN"/>
+              <a:rPr lang="en-US" altLang="zh-CN"/>
               <a:t>        while(nums[++i] &lt; pivot)</a:t>
             </a:r>
+            <a:endParaRPr lang="en-US" altLang="zh-CN"/>
           </a:p>
           <a:p>
             <a:pPr marL="0" indent="0">
               <a:buNone/>
             </a:pPr>
             <a:r>
-              <a:rPr lang="" altLang="zh-CN"/>
+              <a:rPr lang="en-US" altLang="zh-CN"/>
               <a:t>            if(i==hi) break;</a:t>
             </a:r>
+            <a:endParaRPr lang="en-US" altLang="zh-CN"/>
           </a:p>
           <a:p>
             <a:pPr marL="0" indent="0">
               <a:buNone/>
             </a:pPr>
             <a:r>
-              <a:rPr lang="" altLang="zh-CN"/>
+              <a:rPr lang="en-US" altLang="zh-CN"/>
               <a:t>        if(i&gt;=j) break;</a:t>
             </a:r>
+            <a:endParaRPr lang="en-US" altLang="zh-CN"/>
           </a:p>
           <a:p>
             <a:pPr marL="0" indent="0">
               <a:buNone/>
             </a:pPr>
             <a:r>
-              <a:rPr lang="" altLang="zh-CN"/>
+              <a:rPr lang="en-US" altLang="zh-CN"/>
               <a:t>        swap(nums[i], nums[j]);</a:t>
             </a:r>
+            <a:endParaRPr lang="en-US" altLang="zh-CN"/>
           </a:p>
           <a:p>
             <a:pPr marL="0" indent="0">
               <a:buNone/>
             </a:pPr>
             <a:r>
-              <a:rPr lang="" altLang="zh-CN"/>
+              <a:rPr lang="en-US" altLang="zh-CN"/>
               <a:t>    }</a:t>
             </a:r>
+            <a:endParaRPr lang="en-US" altLang="zh-CN"/>
           </a:p>
           <a:p>
             <a:pPr marL="0" indent="0">
               <a:buNone/>
             </a:pPr>
             <a:r>
-              <a:rPr lang="" altLang="zh-CN"/>
+              <a:rPr lang="en-US" altLang="zh-CN"/>
               <a:t>    swap(nums[lo], nums[j]);</a:t>
             </a:r>
+            <a:endParaRPr lang="en-US" altLang="zh-CN"/>
           </a:p>
           <a:p>
             <a:pPr marL="0" indent="0">
               <a:buNone/>
             </a:pPr>
             <a:r>
-              <a:rPr lang="" altLang="zh-CN"/>
+              <a:rPr lang="en-US" altLang="zh-CN"/>
               <a:t>    return j;</a:t>
             </a:r>
+            <a:endParaRPr lang="en-US" altLang="zh-CN"/>
           </a:p>
           <a:p>
             <a:pPr marL="0" indent="0">
               <a:buNone/>
             </a:pPr>
             <a:r>
-              <a:rPr lang="" altLang="zh-CN"/>
+              <a:rPr lang="en-US" altLang="zh-CN"/>
               <a:t>}</a:t>
             </a:r>
+            <a:endParaRPr lang="en-US" altLang="zh-CN"/>
           </a:p>
         </p:txBody>
       </p:sp>
@@ -3530,9 +3577,10 @@
           <a:lstStyle/>
           <a:p>
             <a:r>
-              <a:rPr lang="" altLang="zh-CN"/>
+              <a:rPr lang="en-US" altLang="zh-CN"/>
               <a:t>写法二</a:t>
             </a:r>
+            <a:endParaRPr lang="en-US" altLang="zh-CN"/>
           </a:p>
         </p:txBody>
       </p:sp>
@@ -3557,66 +3605,77 @@
               <a:rPr lang="zh-CN" altLang="en-US"/>
               <a:t>int partition1(int nums[], int lo, int hi) {</a:t>
             </a:r>
+            <a:endParaRPr lang="zh-CN" altLang="en-US"/>
           </a:p>
           <a:p>
             <a:r>
               <a:rPr lang="zh-CN" altLang="en-US"/>
               <a:t>    int pivot = nums[lo];</a:t>
             </a:r>
+            <a:endParaRPr lang="zh-CN" altLang="en-US"/>
           </a:p>
           <a:p>
             <a:r>
               <a:rPr lang="zh-CN" altLang="en-US"/>
               <a:t>    while(lo &lt; hi) {</a:t>
             </a:r>
+            <a:endParaRPr lang="zh-CN" altLang="en-US"/>
           </a:p>
           <a:p>
             <a:r>
               <a:rPr lang="zh-CN" altLang="en-US"/>
               <a:t>        while(nums[hi] &gt; pivot &amp;&amp; lo &lt; hi) --hi;</a:t>
             </a:r>
+            <a:endParaRPr lang="zh-CN" altLang="en-US"/>
           </a:p>
           <a:p>
             <a:r>
               <a:rPr lang="zh-CN" altLang="en-US"/>
               <a:t>        swap(nums[lo], nums[hi]);</a:t>
             </a:r>
+            <a:endParaRPr lang="zh-CN" altLang="en-US"/>
           </a:p>
           <a:p>
             <a:r>
               <a:rPr lang="zh-CN" altLang="en-US"/>
               <a:t>        while(nums[lo] &lt;= pivot &amp;&amp; lo &lt; hi) ++lo;</a:t>
             </a:r>
+            <a:endParaRPr lang="zh-CN" altLang="en-US"/>
           </a:p>
           <a:p>
             <a:r>
               <a:rPr lang="zh-CN" altLang="en-US"/>
               <a:t>        swap(nums[lo], nums[hi]);</a:t>
             </a:r>
+            <a:endParaRPr lang="zh-CN" altLang="en-US"/>
           </a:p>
           <a:p>
             <a:r>
               <a:rPr lang="zh-CN" altLang="en-US"/>
               <a:t>    }</a:t>
             </a:r>
+            <a:endParaRPr lang="zh-CN" altLang="en-US"/>
           </a:p>
           <a:p>
             <a:r>
               <a:rPr lang="zh-CN" altLang="en-US"/>
               <a:t>    </a:t>
             </a:r>
+            <a:endParaRPr lang="zh-CN" altLang="en-US"/>
           </a:p>
           <a:p>
             <a:r>
               <a:rPr lang="zh-CN" altLang="en-US"/>
               <a:t>    return lo;</a:t>
             </a:r>
+            <a:endParaRPr lang="zh-CN" altLang="en-US"/>
           </a:p>
           <a:p>
             <a:r>
               <a:rPr lang="zh-CN" altLang="en-US"/>
               <a:t>}</a:t>
             </a:r>
+            <a:endParaRPr lang="zh-CN" altLang="en-US"/>
           </a:p>
         </p:txBody>
       </p:sp>
@@ -3696,11 +3755,6 @@
         </p:txBody>
       </p:sp>
     </p:spTree>
-    <p:extLst>
-      <p:ext uri="{BB962C8B-B14F-4D97-AF65-F5344CB8AC3E}">
-        <p14:creationId xmlns:p14="http://schemas.microsoft.com/office/powerpoint/2010/main" val="1739485967"/>
-      </p:ext>
-    </p:extLst>
   </p:cSld>
   <p:clrMapOvr>
     <a:masterClrMapping/>
@@ -3959,8 +4013,6 @@
       </a:bgFillStyleLst>
     </a:fmtScheme>
   </a:themeElements>
-  <a:objectDefaults/>
-  <a:extraClrSchemeLst/>
   <a:extLst>
     <a:ext uri="{05A4C25C-085E-4340-85A3-A5531E510DB2}">
       <thm15:themeFamily xmlns:thm15="http://schemas.microsoft.com/office/thememl/2012/main" name="Office Theme" id="{62F939B6-93AF-4DB8-9C6B-D6C7DFDC589F}" vid="{4A3C46E8-61CC-4603-A589-7422A47A8E4A}"/>
